--- a/03. Async JS/kinvey.pptx
+++ b/03. Async JS/kinvey.pptx
@@ -273,7 +273,7 @@
           <a:p>
             <a:fld id="{D883871B-DB0C-4DA8-8F99-FC2241E6FFF9}" type="datetimeFigureOut">
               <a:rPr lang="en-US" smtClean="0"/>
-              <a:t>1/26/2023</a:t>
+              <a:t>1/29/2024</a:t>
             </a:fld>
             <a:endParaRPr lang="en-US"/>
           </a:p>
@@ -471,7 +471,7 @@
           <a:p>
             <a:fld id="{D883871B-DB0C-4DA8-8F99-FC2241E6FFF9}" type="datetimeFigureOut">
               <a:rPr lang="en-US" smtClean="0"/>
-              <a:t>1/26/2023</a:t>
+              <a:t>1/29/2024</a:t>
             </a:fld>
             <a:endParaRPr lang="en-US"/>
           </a:p>
@@ -679,7 +679,7 @@
           <a:p>
             <a:fld id="{D883871B-DB0C-4DA8-8F99-FC2241E6FFF9}" type="datetimeFigureOut">
               <a:rPr lang="en-US" smtClean="0"/>
-              <a:t>1/26/2023</a:t>
+              <a:t>1/29/2024</a:t>
             </a:fld>
             <a:endParaRPr lang="en-US"/>
           </a:p>
@@ -877,7 +877,7 @@
           <a:p>
             <a:fld id="{D883871B-DB0C-4DA8-8F99-FC2241E6FFF9}" type="datetimeFigureOut">
               <a:rPr lang="en-US" smtClean="0"/>
-              <a:t>1/26/2023</a:t>
+              <a:t>1/29/2024</a:t>
             </a:fld>
             <a:endParaRPr lang="en-US"/>
           </a:p>
@@ -1152,7 +1152,7 @@
           <a:p>
             <a:fld id="{D883871B-DB0C-4DA8-8F99-FC2241E6FFF9}" type="datetimeFigureOut">
               <a:rPr lang="en-US" smtClean="0"/>
-              <a:t>1/26/2023</a:t>
+              <a:t>1/29/2024</a:t>
             </a:fld>
             <a:endParaRPr lang="en-US"/>
           </a:p>
@@ -1417,7 +1417,7 @@
           <a:p>
             <a:fld id="{D883871B-DB0C-4DA8-8F99-FC2241E6FFF9}" type="datetimeFigureOut">
               <a:rPr lang="en-US" smtClean="0"/>
-              <a:t>1/26/2023</a:t>
+              <a:t>1/29/2024</a:t>
             </a:fld>
             <a:endParaRPr lang="en-US"/>
           </a:p>
@@ -1829,7 +1829,7 @@
           <a:p>
             <a:fld id="{D883871B-DB0C-4DA8-8F99-FC2241E6FFF9}" type="datetimeFigureOut">
               <a:rPr lang="en-US" smtClean="0"/>
-              <a:t>1/26/2023</a:t>
+              <a:t>1/29/2024</a:t>
             </a:fld>
             <a:endParaRPr lang="en-US"/>
           </a:p>
@@ -1970,7 +1970,7 @@
           <a:p>
             <a:fld id="{D883871B-DB0C-4DA8-8F99-FC2241E6FFF9}" type="datetimeFigureOut">
               <a:rPr lang="en-US" smtClean="0"/>
-              <a:t>1/26/2023</a:t>
+              <a:t>1/29/2024</a:t>
             </a:fld>
             <a:endParaRPr lang="en-US"/>
           </a:p>
@@ -2083,7 +2083,7 @@
           <a:p>
             <a:fld id="{D883871B-DB0C-4DA8-8F99-FC2241E6FFF9}" type="datetimeFigureOut">
               <a:rPr lang="en-US" smtClean="0"/>
-              <a:t>1/26/2023</a:t>
+              <a:t>1/29/2024</a:t>
             </a:fld>
             <a:endParaRPr lang="en-US"/>
           </a:p>
@@ -2394,7 +2394,7 @@
           <a:p>
             <a:fld id="{D883871B-DB0C-4DA8-8F99-FC2241E6FFF9}" type="datetimeFigureOut">
               <a:rPr lang="en-US" smtClean="0"/>
-              <a:t>1/26/2023</a:t>
+              <a:t>1/29/2024</a:t>
             </a:fld>
             <a:endParaRPr lang="en-US"/>
           </a:p>
@@ -2682,7 +2682,7 @@
           <a:p>
             <a:fld id="{D883871B-DB0C-4DA8-8F99-FC2241E6FFF9}" type="datetimeFigureOut">
               <a:rPr lang="en-US" smtClean="0"/>
-              <a:t>1/26/2023</a:t>
+              <a:t>1/29/2024</a:t>
             </a:fld>
             <a:endParaRPr lang="en-US"/>
           </a:p>
@@ -2923,7 +2923,7 @@
           <a:p>
             <a:fld id="{D883871B-DB0C-4DA8-8F99-FC2241E6FFF9}" type="datetimeFigureOut">
               <a:rPr lang="en-US" smtClean="0"/>
-              <a:t>1/26/2023</a:t>
+              <a:t>1/29/2024</a:t>
             </a:fld>
             <a:endParaRPr lang="en-US"/>
           </a:p>
@@ -3853,6 +3853,41 @@
           </a:p>
         </p:txBody>
       </p:sp>
+      <p:sp>
+        <p:nvSpPr>
+          <p:cNvPr id="3" name="TextBox 2">
+            <a:extLst>
+              <a:ext uri="{FF2B5EF4-FFF2-40B4-BE49-F238E27FC236}">
+                <a16:creationId xmlns:a16="http://schemas.microsoft.com/office/drawing/2014/main" id="{578AB0F2-CB92-DC09-673E-F4F80FC7F329}"/>
+              </a:ext>
+            </a:extLst>
+          </p:cNvPr>
+          <p:cNvSpPr txBox="1"/>
+          <p:nvPr/>
+        </p:nvSpPr>
+        <p:spPr>
+          <a:xfrm>
+            <a:off x="5429468" y="1962373"/>
+            <a:ext cx="6157518" cy="369332"/>
+          </a:xfrm>
+          <a:prstGeom prst="rect">
+            <a:avLst/>
+          </a:prstGeom>
+          <a:noFill/>
+        </p:spPr>
+        <p:txBody>
+          <a:bodyPr wrap="square">
+            <a:spAutoFit/>
+          </a:bodyPr>
+          <a:lstStyle/>
+          <a:p>
+            <a:r>
+              <a:rPr lang="en-US" dirty="0"/>
+              <a:t>https://console.kinvey.com/sign-up</a:t>
+            </a:r>
+          </a:p>
+        </p:txBody>
+      </p:sp>
     </p:spTree>
     <p:extLst>
       <p:ext uri="{BB962C8B-B14F-4D97-AF65-F5344CB8AC3E}">
